--- a/courses/theory/slides/lec12-array.pptx
+++ b/courses/theory/slides/lec12-array.pptx
@@ -6867,18 +6867,34 @@
           <a:p>
             <a:pPr algn="ctr"/>
             <a:r>
-              <a:rPr kumimoji="1" lang="en-US" altLang="zh-CN" dirty="0"/>
+              <a:rPr kumimoji="1" lang="en-US" altLang="zh-CN" dirty="0">
+                <a:solidFill>
+                  <a:schemeClr val="tx1"/>
+                </a:solidFill>
+              </a:rPr>
               <a:t>with</a:t>
             </a:r>
             <a:r>
-              <a:rPr kumimoji="1" lang="zh-CN" altLang="en-US" dirty="0"/>
+              <a:rPr kumimoji="1" lang="zh-CN" altLang="en-US" dirty="0">
+                <a:solidFill>
+                  <a:schemeClr val="tx1"/>
+                </a:solidFill>
+              </a:rPr>
               <a:t> </a:t>
             </a:r>
             <a:r>
-              <a:rPr kumimoji="1" lang="en-US" altLang="zh-CN" dirty="0"/>
+              <a:rPr kumimoji="1" lang="en-US" altLang="zh-CN" dirty="0">
+                <a:solidFill>
+                  <a:schemeClr val="tx1"/>
+                </a:solidFill>
+              </a:rPr>
               <a:t>array</a:t>
             </a:r>
-            <a:endParaRPr kumimoji="1" lang="zh-CN" altLang="en-US" dirty="0"/>
+            <a:endParaRPr kumimoji="1" lang="zh-CN" altLang="en-US" dirty="0">
+              <a:solidFill>
+                <a:schemeClr val="tx1"/>
+              </a:solidFill>
+            </a:endParaRPr>
           </a:p>
         </p:txBody>
       </p:sp>
@@ -6925,18 +6941,30 @@
           <a:p>
             <a:pPr algn="ctr"/>
             <a:r>
-              <a:rPr kumimoji="1" lang="en-US" altLang="zh-CN" dirty="0" err="1"/>
+              <a:rPr kumimoji="1" lang="en-US" altLang="zh-CN" dirty="0" err="1">
+                <a:solidFill>
+                  <a:schemeClr val="tx1"/>
+                </a:solidFill>
+              </a:rPr>
               <a:t>w.o</a:t>
             </a:r>
             <a:r>
-              <a:rPr kumimoji="1" lang="en-US" altLang="zh-CN" dirty="0"/>
+              <a:rPr kumimoji="1" lang="en-US" altLang="zh-CN" dirty="0">
+                <a:solidFill>
+                  <a:schemeClr val="tx1"/>
+                </a:solidFill>
+              </a:rPr>
               <a:t>.</a:t>
             </a:r>
           </a:p>
           <a:p>
             <a:pPr algn="ctr"/>
             <a:r>
-              <a:rPr kumimoji="1" lang="en-US" altLang="zh-CN" dirty="0"/>
+              <a:rPr kumimoji="1" lang="en-US" altLang="zh-CN" dirty="0">
+                <a:solidFill>
+                  <a:schemeClr val="tx1"/>
+                </a:solidFill>
+              </a:rPr>
               <a:t>array</a:t>
             </a:r>
           </a:p>
@@ -7535,8 +7563,8 @@
           </a:p>
         </p:txBody>
       </p:sp>
-      <mc:AlternateContent xmlns:mc="http://schemas.openxmlformats.org/markup-compatibility/2006">
-        <mc:Choice xmlns:a14="http://schemas.microsoft.com/office/drawing/2010/main" Requires="a14">
+      <mc:AlternateContent xmlns:mc="http://schemas.openxmlformats.org/markup-compatibility/2006" xmlns:a14="http://schemas.microsoft.com/office/drawing/2010/main">
+        <mc:Choice Requires="a14">
           <p:sp>
             <p:nvSpPr>
               <p:cNvPr id="3" name="内容占位符 2">
@@ -7967,7 +7995,7 @@
             </p:txBody>
           </p:sp>
         </mc:Choice>
-        <mc:Fallback>
+        <mc:Fallback xmlns="">
           <p:sp>
             <p:nvSpPr>
               <p:cNvPr id="3" name="内容占位符 2">
@@ -8074,8 +8102,8 @@
           </a:p>
         </p:txBody>
       </p:sp>
-      <mc:AlternateContent xmlns:mc="http://schemas.openxmlformats.org/markup-compatibility/2006">
-        <mc:Choice xmlns:a14="http://schemas.microsoft.com/office/drawing/2010/main" Requires="a14">
+      <mc:AlternateContent xmlns:mc="http://schemas.openxmlformats.org/markup-compatibility/2006" xmlns:a14="http://schemas.microsoft.com/office/drawing/2010/main">
+        <mc:Choice Requires="a14">
           <p:sp>
             <p:nvSpPr>
               <p:cNvPr id="3" name="内容占位符 2">
@@ -8682,7 +8710,7 @@
             </p:txBody>
           </p:sp>
         </mc:Choice>
-        <mc:Fallback>
+        <mc:Fallback xmlns="">
           <p:sp>
             <p:nvSpPr>
               <p:cNvPr id="3" name="内容占位符 2">
@@ -8797,8 +8825,8 @@
           </a:p>
         </p:txBody>
       </p:sp>
-      <mc:AlternateContent xmlns:mc="http://schemas.openxmlformats.org/markup-compatibility/2006">
-        <mc:Choice xmlns:a14="http://schemas.microsoft.com/office/drawing/2010/main" Requires="a14">
+      <mc:AlternateContent xmlns:mc="http://schemas.openxmlformats.org/markup-compatibility/2006" xmlns:a14="http://schemas.microsoft.com/office/drawing/2010/main">
+        <mc:Choice Requires="a14">
           <p:sp>
             <p:nvSpPr>
               <p:cNvPr id="3" name="内容占位符 2">
@@ -9736,16 +9764,7 @@
                           </a:solidFill>
                           <a:latin typeface="Cambria Math" panose="02040503050406030204" pitchFamily="18" charset="0"/>
                         </a:rPr>
-                        <m:t>)</m:t>
-                      </m:r>
-                      <m:r>
-                        <a:rPr kumimoji="1" lang="en-US" altLang="zh-CN" b="0" i="1" smtClean="0">
-                          <a:solidFill>
-                            <a:srgbClr val="0432FF"/>
-                          </a:solidFill>
-                          <a:latin typeface="Cambria Math" panose="02040503050406030204" pitchFamily="18" charset="0"/>
-                        </a:rPr>
-                        <m:t>)</m:t>
+                        <m:t>))</m:t>
                       </m:r>
                     </m:oMath>
                   </m:oMathPara>
@@ -9883,7 +9902,7 @@
             </p:txBody>
           </p:sp>
         </mc:Choice>
-        <mc:Fallback>
+        <mc:Fallback xmlns="">
           <p:sp>
             <p:nvSpPr>
               <p:cNvPr id="3" name="内容占位符 2">
@@ -11329,8 +11348,8 @@
           </a:fontRef>
         </p:style>
       </p:cxnSp>
-      <mc:AlternateContent xmlns:mc="http://schemas.openxmlformats.org/markup-compatibility/2006">
-        <mc:Choice xmlns:a14="http://schemas.microsoft.com/office/drawing/2010/main" Requires="a14">
+      <mc:AlternateContent xmlns:mc="http://schemas.openxmlformats.org/markup-compatibility/2006" xmlns:a14="http://schemas.microsoft.com/office/drawing/2010/main">
+        <mc:Choice Requires="a14">
           <p:sp>
             <p:nvSpPr>
               <p:cNvPr id="22" name="文本框 21">
@@ -11575,7 +11594,7 @@
             </p:txBody>
           </p:sp>
         </mc:Choice>
-        <mc:Fallback>
+        <mc:Fallback xmlns="">
           <p:sp>
             <p:nvSpPr>
               <p:cNvPr id="22" name="文本框 21">
@@ -12259,8 +12278,8 @@
           </a:p>
         </p:txBody>
       </p:sp>
-      <mc:AlternateContent xmlns:mc="http://schemas.openxmlformats.org/markup-compatibility/2006">
-        <mc:Choice xmlns:a14="http://schemas.microsoft.com/office/drawing/2010/main" Requires="a14">
+      <mc:AlternateContent xmlns:mc="http://schemas.openxmlformats.org/markup-compatibility/2006" xmlns:a14="http://schemas.microsoft.com/office/drawing/2010/main">
+        <mc:Choice Requires="a14">
           <p:sp>
             <p:nvSpPr>
               <p:cNvPr id="3" name="内容占位符 2">
@@ -12775,7 +12794,7 @@
             </p:txBody>
           </p:sp>
         </mc:Choice>
-        <mc:Fallback>
+        <mc:Fallback xmlns="">
           <p:sp>
             <p:nvSpPr>
               <p:cNvPr id="3" name="内容占位符 2">
@@ -12890,8 +12909,8 @@
           </a:p>
         </p:txBody>
       </p:sp>
-      <mc:AlternateContent xmlns:mc="http://schemas.openxmlformats.org/markup-compatibility/2006">
-        <mc:Choice xmlns:a14="http://schemas.microsoft.com/office/drawing/2010/main" Requires="a14">
+      <mc:AlternateContent xmlns:mc="http://schemas.openxmlformats.org/markup-compatibility/2006" xmlns:a14="http://schemas.microsoft.com/office/drawing/2010/main">
+        <mc:Choice Requires="a14">
           <p:sp>
             <p:nvSpPr>
               <p:cNvPr id="3" name="内容占位符 2">
@@ -14060,7 +14079,7 @@
             </p:txBody>
           </p:sp>
         </mc:Choice>
-        <mc:Fallback>
+        <mc:Fallback xmlns="">
           <p:sp>
             <p:nvSpPr>
               <p:cNvPr id="3" name="内容占位符 2">
@@ -14175,8 +14194,8 @@
           </a:p>
         </p:txBody>
       </p:sp>
-      <mc:AlternateContent xmlns:mc="http://schemas.openxmlformats.org/markup-compatibility/2006">
-        <mc:Choice xmlns:a14="http://schemas.microsoft.com/office/drawing/2010/main" Requires="a14">
+      <mc:AlternateContent xmlns:mc="http://schemas.openxmlformats.org/markup-compatibility/2006" xmlns:a14="http://schemas.microsoft.com/office/drawing/2010/main">
+        <mc:Choice Requires="a14">
           <p:sp>
             <p:nvSpPr>
               <p:cNvPr id="3" name="内容占位符 2">
@@ -15328,7 +15347,7 @@
             </p:txBody>
           </p:sp>
         </mc:Choice>
-        <mc:Fallback>
+        <mc:Fallback xmlns="">
           <p:sp>
             <p:nvSpPr>
               <p:cNvPr id="3" name="内容占位符 2">
@@ -15479,8 +15498,8 @@
           </a:p>
         </p:txBody>
       </p:sp>
-      <mc:AlternateContent xmlns:mc="http://schemas.openxmlformats.org/markup-compatibility/2006" xmlns:a14="http://schemas.microsoft.com/office/drawing/2010/main">
-        <mc:Choice Requires="a14">
+      <mc:AlternateContent xmlns:mc="http://schemas.openxmlformats.org/markup-compatibility/2006">
+        <mc:Choice xmlns:a14="http://schemas.microsoft.com/office/drawing/2010/main" Requires="a14">
           <p:graphicFrame>
             <p:nvGraphicFramePr>
               <p:cNvPr id="4" name="表格 3">
@@ -15496,7 +15515,7 @@
               <p:nvPr>
                 <p:extLst>
                   <p:ext uri="{D42A27DB-BD31-4B8C-83A1-F6EECF244321}">
-                    <p14:modId xmlns:p14="http://schemas.microsoft.com/office/powerpoint/2010/main" val="2662493430"/>
+                    <p14:modId xmlns:p14="http://schemas.microsoft.com/office/powerpoint/2010/main" val="1714567170"/>
                   </p:ext>
                 </p:extLst>
               </p:nvPr>
@@ -15541,10 +15560,18 @@
                         <a:lstStyle/>
                         <a:p>
                           <a:r>
-                            <a:rPr lang="en-US" altLang="zh-CN" dirty="0"/>
+                            <a:rPr lang="en-US" altLang="zh-CN" dirty="0">
+                              <a:solidFill>
+                                <a:schemeClr val="tx1"/>
+                              </a:solidFill>
+                            </a:rPr>
                             <a:t>Proposition</a:t>
                           </a:r>
-                          <a:endParaRPr lang="zh-CN" altLang="en-US" dirty="0"/>
+                          <a:endParaRPr lang="zh-CN" altLang="en-US" dirty="0">
+                            <a:solidFill>
+                              <a:schemeClr val="tx1"/>
+                            </a:solidFill>
+                          </a:endParaRPr>
                         </a:p>
                       </a:txBody>
                       <a:tcPr/>
@@ -15555,10 +15582,18 @@
                         <a:lstStyle/>
                         <a:p>
                           <a:r>
-                            <a:rPr lang="en-US" altLang="zh-CN" dirty="0"/>
-                            <a:t>SAT/UNSAT</a:t>
+                            <a:rPr lang="en-US" altLang="zh-CN" dirty="0">
+                              <a:solidFill>
+                                <a:schemeClr val="tx1"/>
+                              </a:solidFill>
+                            </a:rPr>
+                            <a:t>Satisfiable?</a:t>
                           </a:r>
-                          <a:endParaRPr lang="zh-CN" altLang="en-US" dirty="0"/>
+                          <a:endParaRPr lang="zh-CN" altLang="en-US" dirty="0">
+                            <a:solidFill>
+                              <a:schemeClr val="tx1"/>
+                            </a:solidFill>
+                          </a:endParaRPr>
                         </a:p>
                       </a:txBody>
                       <a:tcPr/>
@@ -15569,10 +15604,18 @@
                         <a:lstStyle/>
                         <a:p>
                           <a:r>
-                            <a:rPr lang="en-US" altLang="zh-CN" dirty="0"/>
+                            <a:rPr lang="en-US" altLang="zh-CN" dirty="0">
+                              <a:solidFill>
+                                <a:schemeClr val="tx1"/>
+                              </a:solidFill>
+                            </a:rPr>
                             <a:t>theory</a:t>
                           </a:r>
-                          <a:endParaRPr lang="zh-CN" altLang="en-US" dirty="0"/>
+                          <a:endParaRPr lang="zh-CN" altLang="en-US" dirty="0">
+                            <a:solidFill>
+                              <a:schemeClr val="tx1"/>
+                            </a:solidFill>
+                          </a:endParaRPr>
                         </a:p>
                       </a:txBody>
                       <a:tcPr/>
@@ -16690,7 +16733,7 @@
             </a:graphic>
           </p:graphicFrame>
         </mc:Choice>
-        <mc:Fallback xmlns="">
+        <mc:Fallback>
           <p:graphicFrame>
             <p:nvGraphicFramePr>
               <p:cNvPr id="4" name="表格 3">
@@ -16706,7 +16749,7 @@
               <p:nvPr>
                 <p:extLst>
                   <p:ext uri="{D42A27DB-BD31-4B8C-83A1-F6EECF244321}">
-                    <p14:modId xmlns:p14="http://schemas.microsoft.com/office/powerpoint/2010/main" val="2662493430"/>
+                    <p14:modId xmlns:p14="http://schemas.microsoft.com/office/powerpoint/2010/main" val="1714567170"/>
                   </p:ext>
                 </p:extLst>
               </p:nvPr>
@@ -16751,10 +16794,18 @@
                         <a:lstStyle/>
                         <a:p>
                           <a:r>
-                            <a:rPr lang="en-US" altLang="zh-CN" dirty="0"/>
+                            <a:rPr lang="en-US" altLang="zh-CN" dirty="0">
+                              <a:solidFill>
+                                <a:schemeClr val="tx1"/>
+                              </a:solidFill>
+                            </a:rPr>
                             <a:t>Proposition</a:t>
                           </a:r>
-                          <a:endParaRPr lang="zh-CN" altLang="en-US" dirty="0"/>
+                          <a:endParaRPr lang="zh-CN" altLang="en-US" dirty="0">
+                            <a:solidFill>
+                              <a:schemeClr val="tx1"/>
+                            </a:solidFill>
+                          </a:endParaRPr>
                         </a:p>
                       </a:txBody>
                       <a:tcPr/>
@@ -16765,10 +16816,18 @@
                         <a:lstStyle/>
                         <a:p>
                           <a:r>
-                            <a:rPr lang="en-US" altLang="zh-CN" dirty="0"/>
-                            <a:t>SAT/UNSAT</a:t>
+                            <a:rPr lang="en-US" altLang="zh-CN" dirty="0">
+                              <a:solidFill>
+                                <a:schemeClr val="tx1"/>
+                              </a:solidFill>
+                            </a:rPr>
+                            <a:t>Satisfiable?</a:t>
                           </a:r>
-                          <a:endParaRPr lang="zh-CN" altLang="en-US" dirty="0"/>
+                          <a:endParaRPr lang="zh-CN" altLang="en-US" dirty="0">
+                            <a:solidFill>
+                              <a:schemeClr val="tx1"/>
+                            </a:solidFill>
+                          </a:endParaRPr>
                         </a:p>
                       </a:txBody>
                       <a:tcPr/>
@@ -16779,10 +16838,18 @@
                         <a:lstStyle/>
                         <a:p>
                           <a:r>
-                            <a:rPr lang="en-US" altLang="zh-CN" dirty="0"/>
+                            <a:rPr lang="en-US" altLang="zh-CN" dirty="0">
+                              <a:solidFill>
+                                <a:schemeClr val="tx1"/>
+                              </a:solidFill>
+                            </a:rPr>
                             <a:t>theory</a:t>
                           </a:r>
-                          <a:endParaRPr lang="zh-CN" altLang="en-US" dirty="0"/>
+                          <a:endParaRPr lang="zh-CN" altLang="en-US" dirty="0">
+                            <a:solidFill>
+                              <a:schemeClr val="tx1"/>
+                            </a:solidFill>
+                          </a:endParaRPr>
                         </a:p>
                       </a:txBody>
                       <a:tcPr/>
@@ -16806,7 +16873,7 @@
                         <a:blipFill>
                           <a:blip r:embed="rId2"/>
                           <a:stretch>
-                            <a:fillRect l="-355" t="-175862" r="-130496" b="-779310"/>
+                            <a:fillRect l="-355" t="-175862" r="-130851" b="-782759"/>
                           </a:stretch>
                         </a:blipFill>
                       </a:tcPr>
@@ -16857,7 +16924,7 @@
                         <a:blipFill>
                           <a:blip r:embed="rId2"/>
                           <a:stretch>
-                            <a:fillRect l="-355" t="-266667" r="-130496" b="-653333"/>
+                            <a:fillRect l="-355" t="-266667" r="-130851" b="-656667"/>
                           </a:stretch>
                         </a:blipFill>
                       </a:tcPr>
@@ -16916,7 +16983,7 @@
                         <a:blipFill>
                           <a:blip r:embed="rId2"/>
                           <a:stretch>
-                            <a:fillRect l="-355" t="-200000" r="-130496" b="-256364"/>
+                            <a:fillRect l="-355" t="-200000" r="-130851" b="-258182"/>
                           </a:stretch>
                         </a:blipFill>
                       </a:tcPr>
@@ -16933,7 +17000,7 @@
                         <a:blipFill>
                           <a:blip r:embed="rId2"/>
                           <a:stretch>
-                            <a:fillRect l="-188667" t="-200000" r="-145333" b="-256364"/>
+                            <a:fillRect l="-188667" t="-200000" r="-146000" b="-258182"/>
                           </a:stretch>
                         </a:blipFill>
                       </a:tcPr>
@@ -16981,7 +17048,7 @@
                         <a:blipFill>
                           <a:blip r:embed="rId2"/>
                           <a:stretch>
-                            <a:fillRect l="-355" t="-568966" r="-130496" b="-386207"/>
+                            <a:fillRect l="-355" t="-568966" r="-130851" b="-389655"/>
                           </a:stretch>
                         </a:blipFill>
                       </a:tcPr>
@@ -17032,7 +17099,7 @@
                         <a:blipFill>
                           <a:blip r:embed="rId2"/>
                           <a:stretch>
-                            <a:fillRect l="-355" t="-646667" r="-130496" b="-273333"/>
+                            <a:fillRect l="-355" t="-646667" r="-130851" b="-276667"/>
                           </a:stretch>
                         </a:blipFill>
                       </a:tcPr>
@@ -17083,7 +17150,7 @@
                         <a:blipFill>
                           <a:blip r:embed="rId2"/>
                           <a:stretch>
-                            <a:fillRect l="-355" t="-772414" r="-130496" b="-182759"/>
+                            <a:fillRect l="-355" t="-772414" r="-130851" b="-186207"/>
                           </a:stretch>
                         </a:blipFill>
                       </a:tcPr>
@@ -21274,7 +21341,11 @@
                 <a:buNone/>
               </a:pPr>
               <a:r>
-                <a:rPr lang="en-US" sz="3400" kern="1200" dirty="0"/>
+                <a:rPr lang="en-US" sz="3400" kern="1200" dirty="0">
+                  <a:solidFill>
+                    <a:schemeClr val="tx1"/>
+                  </a:solidFill>
+                </a:rPr>
                 <a:t>SAT</a:t>
               </a:r>
             </a:p>
@@ -21553,7 +21624,11 @@
                 <a:buNone/>
               </a:pPr>
               <a:r>
-                <a:rPr lang="en-US" sz="2800" kern="1200" dirty="0"/>
+                <a:rPr lang="en-US" sz="2800" kern="1200" dirty="0">
+                  <a:solidFill>
+                    <a:schemeClr val="tx1"/>
+                  </a:solidFill>
+                </a:rPr>
                 <a:t>Theory</a:t>
               </a:r>
             </a:p>
@@ -21571,7 +21646,11 @@
                 <a:buNone/>
               </a:pPr>
               <a:r>
-                <a:rPr lang="en-US" sz="2800" kern="1200" dirty="0"/>
+                <a:rPr lang="en-US" sz="2800" kern="1200" dirty="0">
+                  <a:solidFill>
+                    <a:schemeClr val="tx1"/>
+                  </a:solidFill>
+                </a:rPr>
                 <a:t>Solvers</a:t>
               </a:r>
             </a:p>
@@ -21850,7 +21929,11 @@
                 <a:buNone/>
               </a:pPr>
               <a:r>
-                <a:rPr lang="en-US" sz="3400" kern="1200" dirty="0"/>
+                <a:rPr lang="en-US" sz="3400" kern="1200" dirty="0">
+                  <a:solidFill>
+                    <a:schemeClr val="tx1"/>
+                  </a:solidFill>
+                </a:rPr>
                 <a:t>SMT</a:t>
               </a:r>
             </a:p>
@@ -22051,8 +22134,8 @@
           </a:p>
         </p:txBody>
       </p:sp>
-      <mc:AlternateContent xmlns:mc="http://schemas.openxmlformats.org/markup-compatibility/2006">
-        <mc:Choice xmlns:a14="http://schemas.microsoft.com/office/drawing/2010/main" Requires="a14">
+      <mc:AlternateContent xmlns:mc="http://schemas.openxmlformats.org/markup-compatibility/2006" xmlns:a14="http://schemas.microsoft.com/office/drawing/2010/main">
+        <mc:Choice Requires="a14">
           <p:sp>
             <p:nvSpPr>
               <p:cNvPr id="3" name="内容占位符 2">
@@ -23270,7 +23353,7 @@
             </p:txBody>
           </p:sp>
         </mc:Choice>
-        <mc:Fallback>
+        <mc:Fallback xmlns="">
           <p:sp>
             <p:nvSpPr>
               <p:cNvPr id="3" name="内容占位符 2">
@@ -24260,8 +24343,8 @@
           </a:fontRef>
         </p:style>
       </p:cxnSp>
-      <mc:AlternateContent xmlns:mc="http://schemas.openxmlformats.org/markup-compatibility/2006">
-        <mc:Choice xmlns:a14="http://schemas.microsoft.com/office/drawing/2010/main" Requires="a14">
+      <mc:AlternateContent xmlns:mc="http://schemas.openxmlformats.org/markup-compatibility/2006" xmlns:a14="http://schemas.microsoft.com/office/drawing/2010/main">
+        <mc:Choice Requires="a14">
           <p:sp>
             <p:nvSpPr>
               <p:cNvPr id="22" name="文本框 21">
@@ -24383,7 +24466,7 @@
             </p:txBody>
           </p:sp>
         </mc:Choice>
-        <mc:Fallback>
+        <mc:Fallback xmlns="">
           <p:sp>
             <p:nvSpPr>
               <p:cNvPr id="22" name="文本框 21">
